--- a/Lecture/Lecture 3/Lecture 3.pptx
+++ b/Lecture/Lecture 3/Lecture 3.pptx
@@ -291,7 +291,7 @@
               <a:pPr>
                 <a:defRPr/>
               </a:pPr>
-              <a:t>8/25/2018</a:t>
+              <a:t>9/5/2018</a:t>
             </a:fld>
             <a:endParaRPr lang="en-US" dirty="0"/>
           </a:p>
@@ -503,7 +503,7 @@
               <a:pPr>
                 <a:defRPr/>
               </a:pPr>
-              <a:t>8/25/2018</a:t>
+              <a:t>9/5/2018</a:t>
             </a:fld>
             <a:endParaRPr lang="en-US" dirty="0"/>
           </a:p>
@@ -1022,7 +1022,7 @@
               <a:pPr>
                 <a:defRPr/>
               </a:pPr>
-              <a:t>8/25/2018</a:t>
+              <a:t>9/5/2018</a:t>
             </a:fld>
             <a:endParaRPr lang="en-US" dirty="0"/>
           </a:p>
@@ -1212,7 +1212,7 @@
               <a:pPr>
                 <a:defRPr/>
               </a:pPr>
-              <a:t>8/25/2018</a:t>
+              <a:t>9/5/2018</a:t>
             </a:fld>
             <a:endParaRPr lang="en-US" dirty="0"/>
           </a:p>
@@ -1412,7 +1412,7 @@
               <a:pPr>
                 <a:defRPr/>
               </a:pPr>
-              <a:t>8/25/2018</a:t>
+              <a:t>9/5/2018</a:t>
             </a:fld>
             <a:endParaRPr lang="en-US" dirty="0"/>
           </a:p>
@@ -1680,7 +1680,7 @@
               <a:pPr>
                 <a:defRPr/>
               </a:pPr>
-              <a:t>8/25/2018</a:t>
+              <a:t>9/5/2018</a:t>
             </a:fld>
             <a:endParaRPr lang="en-US" dirty="0">
               <a:solidFill>
@@ -1894,7 +1894,7 @@
               <a:pPr>
                 <a:defRPr/>
               </a:pPr>
-              <a:t>8/25/2018</a:t>
+              <a:t>9/5/2018</a:t>
             </a:fld>
             <a:endParaRPr lang="en-US" dirty="0">
               <a:solidFill>
@@ -2185,7 +2185,7 @@
               <a:pPr>
                 <a:defRPr/>
               </a:pPr>
-              <a:t>8/25/2018</a:t>
+              <a:t>9/5/2018</a:t>
             </a:fld>
             <a:endParaRPr lang="en-US" dirty="0">
               <a:solidFill>
@@ -2516,7 +2516,7 @@
               <a:pPr>
                 <a:defRPr/>
               </a:pPr>
-              <a:t>8/25/2018</a:t>
+              <a:t>9/5/2018</a:t>
             </a:fld>
             <a:endParaRPr lang="en-US" dirty="0">
               <a:solidFill>
@@ -2981,7 +2981,7 @@
               <a:pPr>
                 <a:defRPr/>
               </a:pPr>
-              <a:t>8/25/2018</a:t>
+              <a:t>9/5/2018</a:t>
             </a:fld>
             <a:endParaRPr lang="en-US" dirty="0">
               <a:solidFill>
@@ -3144,7 +3144,7 @@
               <a:pPr>
                 <a:defRPr/>
               </a:pPr>
-              <a:t>8/25/2018</a:t>
+              <a:t>9/5/2018</a:t>
             </a:fld>
             <a:endParaRPr lang="en-US" dirty="0">
               <a:solidFill>
@@ -3285,7 +3285,7 @@
               <a:pPr>
                 <a:defRPr/>
               </a:pPr>
-              <a:t>8/25/2018</a:t>
+              <a:t>9/5/2018</a:t>
             </a:fld>
             <a:endParaRPr lang="en-US" dirty="0">
               <a:solidFill>
@@ -3606,7 +3606,7 @@
               <a:pPr>
                 <a:defRPr/>
               </a:pPr>
-              <a:t>8/25/2018</a:t>
+              <a:t>9/5/2018</a:t>
             </a:fld>
             <a:endParaRPr lang="en-US" dirty="0">
               <a:solidFill>
@@ -3814,7 +3814,7 @@
               <a:pPr>
                 <a:defRPr/>
               </a:pPr>
-              <a:t>8/25/2018</a:t>
+              <a:t>9/5/2018</a:t>
             </a:fld>
             <a:endParaRPr lang="en-US" dirty="0"/>
           </a:p>
@@ -4097,7 +4097,7 @@
               <a:pPr>
                 <a:defRPr/>
               </a:pPr>
-              <a:t>8/25/2018</a:t>
+              <a:t>9/5/2018</a:t>
             </a:fld>
             <a:endParaRPr lang="en-US" dirty="0">
               <a:solidFill>
@@ -4311,7 +4311,7 @@
               <a:pPr>
                 <a:defRPr/>
               </a:pPr>
-              <a:t>8/25/2018</a:t>
+              <a:t>9/5/2018</a:t>
             </a:fld>
             <a:endParaRPr lang="en-US" dirty="0">
               <a:solidFill>
@@ -4535,7 +4535,7 @@
               <a:pPr>
                 <a:defRPr/>
               </a:pPr>
-              <a:t>8/25/2018</a:t>
+              <a:t>9/5/2018</a:t>
             </a:fld>
             <a:endParaRPr lang="en-US" dirty="0">
               <a:solidFill>
@@ -4745,7 +4745,7 @@
               <a:pPr>
                 <a:defRPr/>
               </a:pPr>
-              <a:t>8/25/2018</a:t>
+              <a:t>9/5/2018</a:t>
             </a:fld>
             <a:endParaRPr lang="en-US" dirty="0">
               <a:solidFill>
@@ -5022,7 +5022,7 @@
               <a:pPr>
                 <a:defRPr/>
               </a:pPr>
-              <a:t>8/25/2018</a:t>
+              <a:t>9/5/2018</a:t>
             </a:fld>
             <a:endParaRPr lang="en-US" dirty="0"/>
           </a:p>
@@ -5329,7 +5329,7 @@
               <a:pPr>
                 <a:defRPr/>
               </a:pPr>
-              <a:t>8/25/2018</a:t>
+              <a:t>9/5/2018</a:t>
             </a:fld>
             <a:endParaRPr lang="en-US" dirty="0"/>
           </a:p>
@@ -5770,7 +5770,7 @@
               <a:pPr>
                 <a:defRPr/>
               </a:pPr>
-              <a:t>8/25/2018</a:t>
+              <a:t>9/5/2018</a:t>
             </a:fld>
             <a:endParaRPr lang="en-US" dirty="0"/>
           </a:p>
@@ -5909,7 +5909,7 @@
               <a:pPr>
                 <a:defRPr/>
               </a:pPr>
-              <a:t>8/25/2018</a:t>
+              <a:t>9/5/2018</a:t>
             </a:fld>
             <a:endParaRPr lang="en-US" dirty="0"/>
           </a:p>
@@ -6026,7 +6026,7 @@
               <a:pPr>
                 <a:defRPr/>
               </a:pPr>
-              <a:t>8/25/2018</a:t>
+              <a:t>9/5/2018</a:t>
             </a:fld>
             <a:endParaRPr lang="en-US" dirty="0"/>
           </a:p>
@@ -6323,7 +6323,7 @@
               <a:pPr>
                 <a:defRPr/>
               </a:pPr>
-              <a:t>8/25/2018</a:t>
+              <a:t>9/5/2018</a:t>
             </a:fld>
             <a:endParaRPr lang="en-US" dirty="0"/>
           </a:p>
@@ -6600,7 +6600,7 @@
               <a:pPr>
                 <a:defRPr/>
               </a:pPr>
-              <a:t>8/25/2018</a:t>
+              <a:t>9/5/2018</a:t>
             </a:fld>
             <a:endParaRPr lang="en-US" dirty="0"/>
           </a:p>
@@ -6857,7 +6857,7 @@
               <a:pPr>
                 <a:defRPr/>
               </a:pPr>
-              <a:t>8/25/2018</a:t>
+              <a:t>9/5/2018</a:t>
             </a:fld>
             <a:endParaRPr lang="en-US" dirty="0"/>
           </a:p>
@@ -7567,7 +7567,7 @@
               <a:pPr>
                 <a:defRPr/>
               </a:pPr>
-              <a:t>8/25/2018</a:t>
+              <a:t>9/5/2018</a:t>
             </a:fld>
             <a:endParaRPr lang="en-US" dirty="0">
               <a:solidFill>
@@ -11176,7 +11176,7 @@
               </a:lnSpc>
             </a:pPr>
             <a:r>
-              <a:rPr lang="en-US" sz="2400" kern="1200" dirty="0">
+              <a:rPr lang="en-US" sz="2400" kern="1200">
                 <a:solidFill>
                   <a:schemeClr val="bg1"/>
                 </a:solidFill>
@@ -11185,16 +11185,6 @@
                 <a:cs typeface="+mj-cs"/>
               </a:rPr>
               <a:t>Closing</a:t>
-            </a:r>
-            <a:r>
-              <a:rPr lang="en-US" sz="2400" dirty="0">
-                <a:solidFill>
-                  <a:schemeClr val="bg1"/>
-                </a:solidFill>
-                <a:ea typeface="+mj-ea"/>
-                <a:cs typeface="+mj-cs"/>
-              </a:rPr>
-              <a:t>?</a:t>
             </a:r>
             <a:endParaRPr lang="en-US" sz="2400" kern="1200" dirty="0">
               <a:solidFill>

--- a/Lecture/Lecture 3/Lecture 3.pptx
+++ b/Lecture/Lecture 3/Lecture 3.pptx
@@ -291,7 +291,7 @@
               <a:pPr>
                 <a:defRPr/>
               </a:pPr>
-              <a:t>9/5/2018</a:t>
+              <a:t>1/13/2019</a:t>
             </a:fld>
             <a:endParaRPr lang="en-US" dirty="0"/>
           </a:p>
@@ -503,7 +503,7 @@
               <a:pPr>
                 <a:defRPr/>
               </a:pPr>
-              <a:t>9/5/2018</a:t>
+              <a:t>1/13/2019</a:t>
             </a:fld>
             <a:endParaRPr lang="en-US" dirty="0"/>
           </a:p>
@@ -1022,7 +1022,7 @@
               <a:pPr>
                 <a:defRPr/>
               </a:pPr>
-              <a:t>9/5/2018</a:t>
+              <a:t>1/13/2019</a:t>
             </a:fld>
             <a:endParaRPr lang="en-US" dirty="0"/>
           </a:p>
@@ -1212,7 +1212,7 @@
               <a:pPr>
                 <a:defRPr/>
               </a:pPr>
-              <a:t>9/5/2018</a:t>
+              <a:t>1/13/2019</a:t>
             </a:fld>
             <a:endParaRPr lang="en-US" dirty="0"/>
           </a:p>
@@ -1412,7 +1412,7 @@
               <a:pPr>
                 <a:defRPr/>
               </a:pPr>
-              <a:t>9/5/2018</a:t>
+              <a:t>1/13/2019</a:t>
             </a:fld>
             <a:endParaRPr lang="en-US" dirty="0"/>
           </a:p>
@@ -1680,7 +1680,7 @@
               <a:pPr>
                 <a:defRPr/>
               </a:pPr>
-              <a:t>9/5/2018</a:t>
+              <a:t>1/13/2019</a:t>
             </a:fld>
             <a:endParaRPr lang="en-US" dirty="0">
               <a:solidFill>
@@ -1894,7 +1894,7 @@
               <a:pPr>
                 <a:defRPr/>
               </a:pPr>
-              <a:t>9/5/2018</a:t>
+              <a:t>1/13/2019</a:t>
             </a:fld>
             <a:endParaRPr lang="en-US" dirty="0">
               <a:solidFill>
@@ -2185,7 +2185,7 @@
               <a:pPr>
                 <a:defRPr/>
               </a:pPr>
-              <a:t>9/5/2018</a:t>
+              <a:t>1/13/2019</a:t>
             </a:fld>
             <a:endParaRPr lang="en-US" dirty="0">
               <a:solidFill>
@@ -2516,7 +2516,7 @@
               <a:pPr>
                 <a:defRPr/>
               </a:pPr>
-              <a:t>9/5/2018</a:t>
+              <a:t>1/13/2019</a:t>
             </a:fld>
             <a:endParaRPr lang="en-US" dirty="0">
               <a:solidFill>
@@ -2981,7 +2981,7 @@
               <a:pPr>
                 <a:defRPr/>
               </a:pPr>
-              <a:t>9/5/2018</a:t>
+              <a:t>1/13/2019</a:t>
             </a:fld>
             <a:endParaRPr lang="en-US" dirty="0">
               <a:solidFill>
@@ -3144,7 +3144,7 @@
               <a:pPr>
                 <a:defRPr/>
               </a:pPr>
-              <a:t>9/5/2018</a:t>
+              <a:t>1/13/2019</a:t>
             </a:fld>
             <a:endParaRPr lang="en-US" dirty="0">
               <a:solidFill>
@@ -3285,7 +3285,7 @@
               <a:pPr>
                 <a:defRPr/>
               </a:pPr>
-              <a:t>9/5/2018</a:t>
+              <a:t>1/13/2019</a:t>
             </a:fld>
             <a:endParaRPr lang="en-US" dirty="0">
               <a:solidFill>
@@ -3606,7 +3606,7 @@
               <a:pPr>
                 <a:defRPr/>
               </a:pPr>
-              <a:t>9/5/2018</a:t>
+              <a:t>1/13/2019</a:t>
             </a:fld>
             <a:endParaRPr lang="en-US" dirty="0">
               <a:solidFill>
@@ -3814,7 +3814,7 @@
               <a:pPr>
                 <a:defRPr/>
               </a:pPr>
-              <a:t>9/5/2018</a:t>
+              <a:t>1/13/2019</a:t>
             </a:fld>
             <a:endParaRPr lang="en-US" dirty="0"/>
           </a:p>
@@ -4097,7 +4097,7 @@
               <a:pPr>
                 <a:defRPr/>
               </a:pPr>
-              <a:t>9/5/2018</a:t>
+              <a:t>1/13/2019</a:t>
             </a:fld>
             <a:endParaRPr lang="en-US" dirty="0">
               <a:solidFill>
@@ -4311,7 +4311,7 @@
               <a:pPr>
                 <a:defRPr/>
               </a:pPr>
-              <a:t>9/5/2018</a:t>
+              <a:t>1/13/2019</a:t>
             </a:fld>
             <a:endParaRPr lang="en-US" dirty="0">
               <a:solidFill>
@@ -4535,7 +4535,7 @@
               <a:pPr>
                 <a:defRPr/>
               </a:pPr>
-              <a:t>9/5/2018</a:t>
+              <a:t>1/13/2019</a:t>
             </a:fld>
             <a:endParaRPr lang="en-US" dirty="0">
               <a:solidFill>
@@ -4745,7 +4745,7 @@
               <a:pPr>
                 <a:defRPr/>
               </a:pPr>
-              <a:t>9/5/2018</a:t>
+              <a:t>1/13/2019</a:t>
             </a:fld>
             <a:endParaRPr lang="en-US" dirty="0">
               <a:solidFill>
@@ -5022,7 +5022,7 @@
               <a:pPr>
                 <a:defRPr/>
               </a:pPr>
-              <a:t>9/5/2018</a:t>
+              <a:t>1/13/2019</a:t>
             </a:fld>
             <a:endParaRPr lang="en-US" dirty="0"/>
           </a:p>
@@ -5329,7 +5329,7 @@
               <a:pPr>
                 <a:defRPr/>
               </a:pPr>
-              <a:t>9/5/2018</a:t>
+              <a:t>1/13/2019</a:t>
             </a:fld>
             <a:endParaRPr lang="en-US" dirty="0"/>
           </a:p>
@@ -5770,7 +5770,7 @@
               <a:pPr>
                 <a:defRPr/>
               </a:pPr>
-              <a:t>9/5/2018</a:t>
+              <a:t>1/13/2019</a:t>
             </a:fld>
             <a:endParaRPr lang="en-US" dirty="0"/>
           </a:p>
@@ -5909,7 +5909,7 @@
               <a:pPr>
                 <a:defRPr/>
               </a:pPr>
-              <a:t>9/5/2018</a:t>
+              <a:t>1/13/2019</a:t>
             </a:fld>
             <a:endParaRPr lang="en-US" dirty="0"/>
           </a:p>
@@ -6026,7 +6026,7 @@
               <a:pPr>
                 <a:defRPr/>
               </a:pPr>
-              <a:t>9/5/2018</a:t>
+              <a:t>1/13/2019</a:t>
             </a:fld>
             <a:endParaRPr lang="en-US" dirty="0"/>
           </a:p>
@@ -6323,7 +6323,7 @@
               <a:pPr>
                 <a:defRPr/>
               </a:pPr>
-              <a:t>9/5/2018</a:t>
+              <a:t>1/13/2019</a:t>
             </a:fld>
             <a:endParaRPr lang="en-US" dirty="0"/>
           </a:p>
@@ -6600,7 +6600,7 @@
               <a:pPr>
                 <a:defRPr/>
               </a:pPr>
-              <a:t>9/5/2018</a:t>
+              <a:t>1/13/2019</a:t>
             </a:fld>
             <a:endParaRPr lang="en-US" dirty="0"/>
           </a:p>
@@ -6857,7 +6857,7 @@
               <a:pPr>
                 <a:defRPr/>
               </a:pPr>
-              <a:t>9/5/2018</a:t>
+              <a:t>1/13/2019</a:t>
             </a:fld>
             <a:endParaRPr lang="en-US" dirty="0"/>
           </a:p>
@@ -7567,7 +7567,7 @@
               <a:pPr>
                 <a:defRPr/>
               </a:pPr>
-              <a:t>9/5/2018</a:t>
+              <a:t>1/13/2019</a:t>
             </a:fld>
             <a:endParaRPr lang="en-US" dirty="0">
               <a:solidFill>
@@ -8823,7 +8823,26 @@
           <a:prstGeom prst="rect">
             <a:avLst/>
           </a:prstGeom>
+          <a:ln>
+            <a:solidFill>
+              <a:srgbClr val="404040"/>
+            </a:solidFill>
+          </a:ln>
         </p:spPr>
+        <p:style>
+          <a:lnRef idx="2">
+            <a:schemeClr val="dk1"/>
+          </a:lnRef>
+          <a:fillRef idx="1">
+            <a:schemeClr val="lt1"/>
+          </a:fillRef>
+          <a:effectRef idx="0">
+            <a:schemeClr val="dk1"/>
+          </a:effectRef>
+          <a:fontRef idx="minor">
+            <a:schemeClr val="dk1"/>
+          </a:fontRef>
+        </p:style>
       </p:pic>
       <p:sp>
         <p:nvSpPr>
@@ -10607,7 +10626,7 @@
         <p:spPr>
           <a:xfrm>
             <a:off x="5791200" y="3244334"/>
-            <a:ext cx="1295400" cy="369332"/>
+            <a:ext cx="1447800" cy="400110"/>
           </a:xfrm>
           <a:prstGeom prst="rect">
             <a:avLst/>
@@ -10615,6 +10634,11 @@
           <a:solidFill>
             <a:srgbClr val="404040"/>
           </a:solidFill>
+          <a:ln>
+            <a:solidFill>
+              <a:srgbClr val="404040"/>
+            </a:solidFill>
+          </a:ln>
         </p:spPr>
         <p:style>
           <a:lnRef idx="2">
@@ -10639,7 +10663,7 @@
           <a:lstStyle/>
           <a:p>
             <a:r>
-              <a:rPr lang="en-US" sz="1800" dirty="0">
+              <a:rPr lang="en-US" sz="2000" dirty="0">
                 <a:solidFill>
                   <a:schemeClr val="bg1"/>
                 </a:solidFill>
@@ -10664,7 +10688,7 @@
         <p:spPr>
           <a:xfrm>
             <a:off x="7162800" y="4724400"/>
-            <a:ext cx="1272862" cy="369332"/>
+            <a:ext cx="1371600" cy="400110"/>
           </a:xfrm>
           <a:prstGeom prst="rect">
             <a:avLst/>
@@ -10672,6 +10696,11 @@
           <a:solidFill>
             <a:srgbClr val="404040"/>
           </a:solidFill>
+          <a:ln>
+            <a:solidFill>
+              <a:srgbClr val="404040"/>
+            </a:solidFill>
+          </a:ln>
         </p:spPr>
         <p:style>
           <a:lnRef idx="2">
@@ -10696,7 +10725,7 @@
           <a:lstStyle/>
           <a:p>
             <a:r>
-              <a:rPr lang="en-US" sz="1800" dirty="0">
+              <a:rPr lang="en-US" sz="2000" dirty="0">
                 <a:solidFill>
                   <a:schemeClr val="bg1"/>
                 </a:solidFill>
@@ -13654,8 +13683,8 @@
         </p:blipFill>
         <p:spPr>
           <a:xfrm>
-            <a:off x="4672169" y="1474464"/>
-            <a:ext cx="3962400" cy="489332"/>
+            <a:off x="3902835" y="1500214"/>
+            <a:ext cx="4843529" cy="598146"/>
           </a:xfrm>
           <a:prstGeom prst="rect">
             <a:avLst/>
@@ -13795,7 +13824,26 @@
           <a:prstGeom prst="rect">
             <a:avLst/>
           </a:prstGeom>
+          <a:ln>
+            <a:solidFill>
+              <a:srgbClr val="404040"/>
+            </a:solidFill>
+          </a:ln>
         </p:spPr>
+        <p:style>
+          <a:lnRef idx="2">
+            <a:schemeClr val="dk1"/>
+          </a:lnRef>
+          <a:fillRef idx="1">
+            <a:schemeClr val="lt1"/>
+          </a:fillRef>
+          <a:effectRef idx="0">
+            <a:schemeClr val="dk1"/>
+          </a:effectRef>
+          <a:fontRef idx="minor">
+            <a:schemeClr val="dk1"/>
+          </a:fontRef>
+        </p:style>
       </p:pic>
       <p:sp>
         <p:nvSpPr>
@@ -13951,8 +13999,8 @@
         </p:blipFill>
         <p:spPr>
           <a:xfrm>
-            <a:off x="4673897" y="5672666"/>
-            <a:ext cx="3810000" cy="721191"/>
+            <a:off x="3869910" y="5699014"/>
+            <a:ext cx="4909377" cy="929291"/>
           </a:xfrm>
           <a:prstGeom prst="rect">
             <a:avLst/>
@@ -14339,7 +14387,26 @@
           <a:prstGeom prst="rect">
             <a:avLst/>
           </a:prstGeom>
+          <a:ln>
+            <a:solidFill>
+              <a:srgbClr val="404040"/>
+            </a:solidFill>
+          </a:ln>
         </p:spPr>
+        <p:style>
+          <a:lnRef idx="2">
+            <a:schemeClr val="dk1"/>
+          </a:lnRef>
+          <a:fillRef idx="1">
+            <a:schemeClr val="lt1"/>
+          </a:fillRef>
+          <a:effectRef idx="0">
+            <a:schemeClr val="dk1"/>
+          </a:effectRef>
+          <a:fontRef idx="minor">
+            <a:schemeClr val="dk1"/>
+          </a:fontRef>
+        </p:style>
       </p:pic>
       <p:sp>
         <p:nvSpPr>
@@ -14413,7 +14480,26 @@
           <a:prstGeom prst="rect">
             <a:avLst/>
           </a:prstGeom>
+          <a:ln>
+            <a:solidFill>
+              <a:srgbClr val="404040"/>
+            </a:solidFill>
+          </a:ln>
         </p:spPr>
+        <p:style>
+          <a:lnRef idx="2">
+            <a:schemeClr val="dk1"/>
+          </a:lnRef>
+          <a:fillRef idx="1">
+            <a:schemeClr val="lt1"/>
+          </a:fillRef>
+          <a:effectRef idx="0">
+            <a:schemeClr val="dk1"/>
+          </a:effectRef>
+          <a:fontRef idx="minor">
+            <a:schemeClr val="dk1"/>
+          </a:fontRef>
+        </p:style>
       </p:pic>
       <p:sp>
         <p:nvSpPr>
@@ -14616,8 +14702,8 @@
         </p:blipFill>
         <p:spPr>
           <a:xfrm>
-            <a:off x="4366762" y="5142230"/>
-            <a:ext cx="4351502" cy="865058"/>
+            <a:off x="3627596" y="5257800"/>
+            <a:ext cx="5394007" cy="1072303"/>
           </a:xfrm>
           <a:prstGeom prst="rect">
             <a:avLst/>
@@ -15063,7 +15149,26 @@
           <a:prstGeom prst="rect">
             <a:avLst/>
           </a:prstGeom>
+          <a:ln>
+            <a:solidFill>
+              <a:srgbClr val="404040"/>
+            </a:solidFill>
+          </a:ln>
         </p:spPr>
+        <p:style>
+          <a:lnRef idx="2">
+            <a:schemeClr val="dk1"/>
+          </a:lnRef>
+          <a:fillRef idx="1">
+            <a:schemeClr val="lt1"/>
+          </a:fillRef>
+          <a:effectRef idx="0">
+            <a:schemeClr val="dk1"/>
+          </a:effectRef>
+          <a:fontRef idx="minor">
+            <a:schemeClr val="dk1"/>
+          </a:fontRef>
+        </p:style>
       </p:pic>
       <p:sp>
         <p:nvSpPr>
